--- a/Module01_Intro/Module1_IntroInfra.pptx
+++ b/Module01_Intro/Module1_IntroInfra.pptx
@@ -150,16 +150,32 @@
 </p:cmAuthorLst>
 </file>
 
-<file path=ppt/revisionInfo.xml><?xml version="1.0" encoding="utf-8"?>
-<p1510:revInfo xmlns:a="http://schemas.openxmlformats.org/drawingml/2006/main" xmlns:r="http://schemas.openxmlformats.org/officeDocument/2006/relationships" xmlns:p1510="http://schemas.microsoft.com/office/powerpoint/2015/10/main">
-  <p1510:revLst>
-    <p1510:client id="{666FE261-8133-46C4-8DC3-9C7477EEDB06}" v="118" dt="2021-05-09T14:50:57.791"/>
-  </p1510:revLst>
-</p1510:revInfo>
-</file>
-
 <file path=ppt/changesInfos/changesInfo1.xml><?xml version="1.0" encoding="utf-8"?>
 <pc:chgInfo xmlns:a="http://schemas.openxmlformats.org/drawingml/2006/main" xmlns:r="http://schemas.openxmlformats.org/officeDocument/2006/relationships" xmlns:ac="http://schemas.microsoft.com/office/drawing/2013/main/command" xmlns:pc="http://schemas.microsoft.com/office/powerpoint/2013/main/command">
+  <pc:docChgLst>
+    <pc:chgData name="Jean-Pierre Duchesneau" userId="a41dad7d-4331-478d-884a-a37b1c6c6add" providerId="ADAL" clId="{6EEF4BA5-B8DE-48F8-85E2-8F41398183AD}"/>
+    <pc:docChg chg="custSel modSld">
+      <pc:chgData name="Jean-Pierre Duchesneau" userId="a41dad7d-4331-478d-884a-a37b1c6c6add" providerId="ADAL" clId="{6EEF4BA5-B8DE-48F8-85E2-8F41398183AD}" dt="2021-10-06T14:25:56.097" v="0" actId="313"/>
+      <pc:docMkLst>
+        <pc:docMk/>
+      </pc:docMkLst>
+      <pc:sldChg chg="modSp mod">
+        <pc:chgData name="Jean-Pierre Duchesneau" userId="a41dad7d-4331-478d-884a-a37b1c6c6add" providerId="ADAL" clId="{6EEF4BA5-B8DE-48F8-85E2-8F41398183AD}" dt="2021-10-06T14:25:56.097" v="0" actId="313"/>
+        <pc:sldMkLst>
+          <pc:docMk/>
+          <pc:sldMk cId="4235545430" sldId="285"/>
+        </pc:sldMkLst>
+        <pc:spChg chg="mod">
+          <ac:chgData name="Jean-Pierre Duchesneau" userId="a41dad7d-4331-478d-884a-a37b1c6c6add" providerId="ADAL" clId="{6EEF4BA5-B8DE-48F8-85E2-8F41398183AD}" dt="2021-10-06T14:25:56.097" v="0" actId="313"/>
+          <ac:spMkLst>
+            <pc:docMk/>
+            <pc:sldMk cId="4235545430" sldId="285"/>
+            <ac:spMk id="4" creationId="{CA2C4086-F257-479E-9860-702893C82A96}"/>
+          </ac:spMkLst>
+        </pc:spChg>
+      </pc:sldChg>
+    </pc:docChg>
+  </pc:docChgLst>
   <pc:docChgLst>
     <pc:chgData name="Jean-Pierre Duchesneau" userId="a41dad7d-4331-478d-884a-a37b1c6c6add" providerId="ADAL" clId="{666FE261-8133-46C4-8DC3-9C7477EEDB06}"/>
     <pc:docChg chg="custSel modSld">
@@ -359,7 +375,7 @@
           <a:p>
             <a:fld id="{B6EE296E-0EAB-4671-AA88-9F6E64897246}" type="datetimeFigureOut">
               <a:rPr lang="fr-CA" smtClean="0"/>
-              <a:t>2021-05-09</a:t>
+              <a:t>2021-10-06</a:t>
             </a:fld>
             <a:endParaRPr lang="fr-CA"/>
           </a:p>
@@ -11339,15 +11355,7 @@
             <a:pPr lvl="1"/>
             <a:r>
               <a:rPr lang="fr-CA" dirty="0"/>
-              <a:t>Cette </a:t>
-            </a:r>
-            <a:r>
-              <a:rPr lang="fr-CA" dirty="0" err="1"/>
-              <a:t>oeuvre</a:t>
-            </a:r>
-            <a:r>
-              <a:rPr lang="fr-CA" dirty="0"/>
-              <a:t>, création, site ou texte est sous licence Creative Commons Attribution - Pas d’Utilisation commerciale - Partage dans les Mêmes Conditions 4.0 International. Pour accéder à une copie de cette licence, merci de vous rendre à l'adresse suivante \url{http://creativecommons.org/licenses/by-nc-sa/4.0/} \\ ou envoyez un courrier à Creative Commons, 444 Castro Street, Suite 900, </a:t>
+              <a:t>Cette œuvre, création, site ou texte est sous licence Creative Commons Attribution - Pas d’Utilisation commerciale - Partage dans les Mêmes Conditions 4.0 International. Pour accéder à une copie de cette licence, merci de vous rendre à l'adresse suivante \url{http://creativecommons.org/licenses/by-nc-sa/4.0/} \\ ou envoyez un courrier à Creative Commons, 444 Castro Street, Suite 900, </a:t>
             </a:r>
             <a:r>
               <a:rPr lang="fr-CA" dirty="0" err="1"/>

--- a/Module01_Intro/Module1_IntroInfra.pptx
+++ b/Module01_Intro/Module1_IntroInfra.pptx
@@ -148,6 +148,14 @@
     </p:extLst>
   </p:cmAuthor>
 </p:cmAuthorLst>
+</file>
+
+<file path=ppt/revisionInfo.xml><?xml version="1.0" encoding="utf-8"?>
+<p1510:revInfo xmlns:a="http://schemas.openxmlformats.org/drawingml/2006/main" xmlns:r="http://schemas.openxmlformats.org/officeDocument/2006/relationships" xmlns:p1510="http://schemas.microsoft.com/office/powerpoint/2015/10/main">
+  <p1510:revLst>
+    <p1510:client id="{CD6ABE17-473F-4F13-91E7-A610AF3EE80A}" v="1" dt="2021-11-04T16:16:00.772"/>
+  </p1510:revLst>
+</p1510:revInfo>
 </file>
 
 <file path=ppt/changesInfos/changesInfo1.xml><?xml version="1.0" encoding="utf-8"?>
@@ -290,6 +298,38 @@
       </pc:sldChg>
     </pc:docChg>
   </pc:docChgLst>
+  <pc:docChgLst>
+    <pc:chgData name="Jean-Pierre Duchesneau" userId="a41dad7d-4331-478d-884a-a37b1c6c6add" providerId="ADAL" clId="{CD6ABE17-473F-4F13-91E7-A610AF3EE80A}"/>
+    <pc:docChg chg="modSld">
+      <pc:chgData name="Jean-Pierre Duchesneau" userId="a41dad7d-4331-478d-884a-a37b1c6c6add" providerId="ADAL" clId="{CD6ABE17-473F-4F13-91E7-A610AF3EE80A}" dt="2021-11-04T16:16:27.338" v="15" actId="208"/>
+      <pc:docMkLst>
+        <pc:docMk/>
+      </pc:docMkLst>
+      <pc:sldChg chg="addSp modSp mod">
+        <pc:chgData name="Jean-Pierre Duchesneau" userId="a41dad7d-4331-478d-884a-a37b1c6c6add" providerId="ADAL" clId="{CD6ABE17-473F-4F13-91E7-A610AF3EE80A}" dt="2021-11-04T16:16:27.338" v="15" actId="208"/>
+        <pc:sldMkLst>
+          <pc:docMk/>
+          <pc:sldMk cId="3814218895" sldId="271"/>
+        </pc:sldMkLst>
+        <pc:spChg chg="add mod">
+          <ac:chgData name="Jean-Pierre Duchesneau" userId="a41dad7d-4331-478d-884a-a37b1c6c6add" providerId="ADAL" clId="{CD6ABE17-473F-4F13-91E7-A610AF3EE80A}" dt="2021-11-04T16:16:27.338" v="15" actId="208"/>
+          <ac:spMkLst>
+            <pc:docMk/>
+            <pc:sldMk cId="3814218895" sldId="271"/>
+            <ac:spMk id="3" creationId="{330978C6-449C-4979-AB18-D6E32EE4C594}"/>
+          </ac:spMkLst>
+        </pc:spChg>
+        <pc:picChg chg="mod">
+          <ac:chgData name="Jean-Pierre Duchesneau" userId="a41dad7d-4331-478d-884a-a37b1c6c6add" providerId="ADAL" clId="{CD6ABE17-473F-4F13-91E7-A610AF3EE80A}" dt="2021-11-04T16:14:51.298" v="0" actId="1076"/>
+          <ac:picMkLst>
+            <pc:docMk/>
+            <pc:sldMk cId="3814218895" sldId="271"/>
+            <ac:picMk id="5" creationId="{61764238-8EEA-440B-B06E-845DB5BE5A8E}"/>
+          </ac:picMkLst>
+        </pc:picChg>
+      </pc:sldChg>
+    </pc:docChg>
+  </pc:docChgLst>
 </pc:chgInfo>
 </file>
 
@@ -375,7 +415,7 @@
           <a:p>
             <a:fld id="{B6EE296E-0EAB-4671-AA88-9F6E64897246}" type="datetimeFigureOut">
               <a:rPr lang="fr-CA" smtClean="0"/>
-              <a:t>2021-10-06</a:t>
+              <a:t>2021-11-04</a:t>
             </a:fld>
             <a:endParaRPr lang="fr-CA"/>
           </a:p>
@@ -11469,7 +11509,7 @@
         </p:blipFill>
         <p:spPr>
           <a:xfrm>
-            <a:off x="282500" y="1550417"/>
+            <a:off x="542912" y="1550417"/>
             <a:ext cx="7951644" cy="4351338"/>
           </a:xfrm>
         </p:spPr>
@@ -11778,6 +11818,47 @@
           </a:fontRef>
         </p:style>
       </p:cxnSp>
+      <p:sp>
+        <p:nvSpPr>
+          <p:cNvPr id="3" name="ZoneTexte 2">
+            <a:extLst>
+              <a:ext uri="{FF2B5EF4-FFF2-40B4-BE49-F238E27FC236}">
+                <a16:creationId xmlns:a16="http://schemas.microsoft.com/office/drawing/2014/main" id="{330978C6-449C-4979-AB18-D6E32EE4C594}"/>
+              </a:ext>
+            </a:extLst>
+          </p:cNvPr>
+          <p:cNvSpPr txBox="1"/>
+          <p:nvPr/>
+        </p:nvSpPr>
+        <p:spPr>
+          <a:xfrm>
+            <a:off x="4421080" y="2070197"/>
+            <a:ext cx="914400" cy="369332"/>
+          </a:xfrm>
+          <a:prstGeom prst="rect">
+            <a:avLst/>
+          </a:prstGeom>
+          <a:noFill/>
+          <a:ln>
+            <a:solidFill>
+              <a:schemeClr val="accent2"/>
+            </a:solidFill>
+          </a:ln>
+        </p:spPr>
+        <p:txBody>
+          <a:bodyPr wrap="square" rtlCol="0">
+            <a:spAutoFit/>
+          </a:bodyPr>
+          <a:lstStyle/>
+          <a:p>
+            <a:r>
+              <a:rPr lang="fr-CA" dirty="0" err="1"/>
+              <a:t>SrvDNS</a:t>
+            </a:r>
+            <a:endParaRPr lang="fr-CA" dirty="0"/>
+          </a:p>
+        </p:txBody>
+      </p:sp>
     </p:spTree>
     <p:extLst>
       <p:ext uri="{BB962C8B-B14F-4D97-AF65-F5344CB8AC3E}">
